--- a/Mechanical/Schemenskizzen/Powerpoint/Loch_Futterschuessel.pptx
+++ b/Mechanical/Schemenskizzen/Powerpoint/Loch_Futterschuessel.pptx
@@ -104,6 +104,11 @@
       </a:defRPr>
     </a:lvl9pPr>
   </p:defaultTextStyle>
+  <p:extLst>
+    <p:ext uri="{EFAFB233-063F-42B5-8137-9DF3F51BA10A}">
+      <p15:sldGuideLst xmlns:p15="http://schemas.microsoft.com/office/powerpoint/2012/main"/>
+    </p:ext>
+  </p:extLst>
 </p:presentation>
 </file>
 
@@ -256,7 +261,7 @@
           <a:p>
             <a:fld id="{85D7D237-CD17-4F39-8BAC-60D610DFA55D}" type="datetimeFigureOut">
               <a:rPr lang="de-AT" smtClean="0"/>
-              <a:t>09.02.2018</a:t>
+              <a:t>18.02.2018</a:t>
             </a:fld>
             <a:endParaRPr lang="de-AT"/>
           </a:p>
@@ -456,7 +461,7 @@
           <a:p>
             <a:fld id="{85D7D237-CD17-4F39-8BAC-60D610DFA55D}" type="datetimeFigureOut">
               <a:rPr lang="de-AT" smtClean="0"/>
-              <a:t>09.02.2018</a:t>
+              <a:t>18.02.2018</a:t>
             </a:fld>
             <a:endParaRPr lang="de-AT"/>
           </a:p>
@@ -666,7 +671,7 @@
           <a:p>
             <a:fld id="{85D7D237-CD17-4F39-8BAC-60D610DFA55D}" type="datetimeFigureOut">
               <a:rPr lang="de-AT" smtClean="0"/>
-              <a:t>09.02.2018</a:t>
+              <a:t>18.02.2018</a:t>
             </a:fld>
             <a:endParaRPr lang="de-AT"/>
           </a:p>
@@ -866,7 +871,7 @@
           <a:p>
             <a:fld id="{85D7D237-CD17-4F39-8BAC-60D610DFA55D}" type="datetimeFigureOut">
               <a:rPr lang="de-AT" smtClean="0"/>
-              <a:t>09.02.2018</a:t>
+              <a:t>18.02.2018</a:t>
             </a:fld>
             <a:endParaRPr lang="de-AT"/>
           </a:p>
@@ -1142,7 +1147,7 @@
           <a:p>
             <a:fld id="{85D7D237-CD17-4F39-8BAC-60D610DFA55D}" type="datetimeFigureOut">
               <a:rPr lang="de-AT" smtClean="0"/>
-              <a:t>09.02.2018</a:t>
+              <a:t>18.02.2018</a:t>
             </a:fld>
             <a:endParaRPr lang="de-AT"/>
           </a:p>
@@ -1410,7 +1415,7 @@
           <a:p>
             <a:fld id="{85D7D237-CD17-4F39-8BAC-60D610DFA55D}" type="datetimeFigureOut">
               <a:rPr lang="de-AT" smtClean="0"/>
-              <a:t>09.02.2018</a:t>
+              <a:t>18.02.2018</a:t>
             </a:fld>
             <a:endParaRPr lang="de-AT"/>
           </a:p>
@@ -1825,7 +1830,7 @@
           <a:p>
             <a:fld id="{85D7D237-CD17-4F39-8BAC-60D610DFA55D}" type="datetimeFigureOut">
               <a:rPr lang="de-AT" smtClean="0"/>
-              <a:t>09.02.2018</a:t>
+              <a:t>18.02.2018</a:t>
             </a:fld>
             <a:endParaRPr lang="de-AT"/>
           </a:p>
@@ -1967,7 +1972,7 @@
           <a:p>
             <a:fld id="{85D7D237-CD17-4F39-8BAC-60D610DFA55D}" type="datetimeFigureOut">
               <a:rPr lang="de-AT" smtClean="0"/>
-              <a:t>09.02.2018</a:t>
+              <a:t>18.02.2018</a:t>
             </a:fld>
             <a:endParaRPr lang="de-AT"/>
           </a:p>
@@ -2080,7 +2085,7 @@
           <a:p>
             <a:fld id="{85D7D237-CD17-4F39-8BAC-60D610DFA55D}" type="datetimeFigureOut">
               <a:rPr lang="de-AT" smtClean="0"/>
-              <a:t>09.02.2018</a:t>
+              <a:t>18.02.2018</a:t>
             </a:fld>
             <a:endParaRPr lang="de-AT"/>
           </a:p>
@@ -2393,7 +2398,7 @@
           <a:p>
             <a:fld id="{85D7D237-CD17-4F39-8BAC-60D610DFA55D}" type="datetimeFigureOut">
               <a:rPr lang="de-AT" smtClean="0"/>
-              <a:t>09.02.2018</a:t>
+              <a:t>18.02.2018</a:t>
             </a:fld>
             <a:endParaRPr lang="de-AT"/>
           </a:p>
@@ -2682,7 +2687,7 @@
           <a:p>
             <a:fld id="{85D7D237-CD17-4F39-8BAC-60D610DFA55D}" type="datetimeFigureOut">
               <a:rPr lang="de-AT" smtClean="0"/>
-              <a:t>09.02.2018</a:t>
+              <a:t>18.02.2018</a:t>
             </a:fld>
             <a:endParaRPr lang="de-AT"/>
           </a:p>
@@ -2925,7 +2930,7 @@
           <a:p>
             <a:fld id="{85D7D237-CD17-4F39-8BAC-60D610DFA55D}" type="datetimeFigureOut">
               <a:rPr lang="de-AT" smtClean="0"/>
-              <a:t>09.02.2018</a:t>
+              <a:t>18.02.2018</a:t>
             </a:fld>
             <a:endParaRPr lang="de-AT"/>
           </a:p>
@@ -3342,370 +3347,433 @@
           <a:chExt cx="0" cy="0"/>
         </a:xfrm>
       </p:grpSpPr>
-      <p:sp>
-        <p:nvSpPr>
-          <p:cNvPr id="5" name="Ellipse 4">
-            <a:extLst>
-              <a:ext uri="{FF2B5EF4-FFF2-40B4-BE49-F238E27FC236}">
-                <a16:creationId xmlns:a16="http://schemas.microsoft.com/office/drawing/2014/main" id="{1C78DCD2-DB1B-47C2-A35C-4AD2E957CE9C}"/>
-              </a:ext>
-            </a:extLst>
-          </p:cNvPr>
-          <p:cNvSpPr/>
+      <p:grpSp>
+        <p:nvGrpSpPr>
+          <p:cNvPr id="4" name="Gruppieren 3">
+            <a:extLst>
+              <a:ext uri="{FF2B5EF4-FFF2-40B4-BE49-F238E27FC236}">
+                <a16:creationId xmlns:a16="http://schemas.microsoft.com/office/drawing/2014/main" id="{34E229AA-5C79-4F1B-9F8D-7811642298C2}"/>
+              </a:ext>
+            </a:extLst>
+          </p:cNvPr>
+          <p:cNvGrpSpPr/>
           <p:nvPr/>
-        </p:nvSpPr>
-        <p:spPr>
+        </p:nvGrpSpPr>
+        <p:grpSpPr>
           <a:xfrm>
-            <a:off x="4332849" y="450166"/>
-            <a:ext cx="2082019" cy="2082019"/>
+            <a:off x="4092680" y="1441661"/>
+            <a:ext cx="2473568" cy="3718239"/>
+            <a:chOff x="4092680" y="1441661"/>
+            <a:chExt cx="2473568" cy="3718239"/>
           </a:xfrm>
-          <a:prstGeom prst="ellipse">
-            <a:avLst/>
-          </a:prstGeom>
-          <a:solidFill>
-            <a:schemeClr val="accent1">
-              <a:lumMod val="20000"/>
-              <a:lumOff val="80000"/>
-            </a:schemeClr>
-          </a:solidFill>
-        </p:spPr>
-        <p:style>
-          <a:lnRef idx="2">
-            <a:schemeClr val="accent1">
-              <a:shade val="50000"/>
-            </a:schemeClr>
-          </a:lnRef>
-          <a:fillRef idx="1">
-            <a:schemeClr val="accent1"/>
-          </a:fillRef>
-          <a:effectRef idx="0">
-            <a:schemeClr val="accent1"/>
-          </a:effectRef>
-          <a:fontRef idx="minor">
-            <a:schemeClr val="lt1"/>
-          </a:fontRef>
-        </p:style>
-        <p:txBody>
-          <a:bodyPr rtlCol="0" anchor="ctr"/>
-          <a:lstStyle/>
-          <a:p>
-            <a:pPr algn="ctr"/>
-            <a:endParaRPr lang="de-AT"/>
-          </a:p>
-        </p:txBody>
-      </p:sp>
-      <p:cxnSp>
-        <p:nvCxnSpPr>
-          <p:cNvPr id="11" name="Gerader Verbinder 10">
-            <a:extLst>
-              <a:ext uri="{FF2B5EF4-FFF2-40B4-BE49-F238E27FC236}">
-                <a16:creationId xmlns:a16="http://schemas.microsoft.com/office/drawing/2014/main" id="{D460F977-E905-4C65-AB6D-4CC9EA7B1C93}"/>
-              </a:ext>
-            </a:extLst>
-          </p:cNvPr>
-          <p:cNvCxnSpPr/>
-          <p:nvPr/>
-        </p:nvCxnSpPr>
-        <p:spPr>
-          <a:xfrm>
-            <a:off x="5373857" y="168812"/>
-            <a:ext cx="0" cy="2602523"/>
-          </a:xfrm>
-          <a:prstGeom prst="line">
-            <a:avLst/>
-          </a:prstGeom>
-          <a:ln w="9525" cap="flat" cmpd="sng" algn="ctr">
-            <a:solidFill>
-              <a:schemeClr val="dk1"/>
-            </a:solidFill>
-            <a:prstDash val="dash"/>
-            <a:round/>
-            <a:headEnd type="none" w="med" len="med"/>
-            <a:tailEnd type="none" w="med" len="med"/>
-          </a:ln>
-        </p:spPr>
-        <p:style>
-          <a:lnRef idx="0">
-            <a:scrgbClr r="0" g="0" b="0"/>
-          </a:lnRef>
-          <a:fillRef idx="0">
-            <a:scrgbClr r="0" g="0" b="0"/>
-          </a:fillRef>
-          <a:effectRef idx="0">
-            <a:scrgbClr r="0" g="0" b="0"/>
-          </a:effectRef>
-          <a:fontRef idx="minor">
-            <a:schemeClr val="tx1"/>
-          </a:fontRef>
-        </p:style>
-      </p:cxnSp>
-      <p:cxnSp>
-        <p:nvCxnSpPr>
-          <p:cNvPr id="12" name="Gerader Verbinder 11">
-            <a:extLst>
-              <a:ext uri="{FF2B5EF4-FFF2-40B4-BE49-F238E27FC236}">
-                <a16:creationId xmlns:a16="http://schemas.microsoft.com/office/drawing/2014/main" id="{345AF4EE-8D41-4300-8CA1-F10B0EA737CF}"/>
-              </a:ext>
-            </a:extLst>
-          </p:cNvPr>
-          <p:cNvCxnSpPr>
-            <a:cxnSpLocks/>
-          </p:cNvCxnSpPr>
-          <p:nvPr/>
-        </p:nvCxnSpPr>
-        <p:spPr>
-          <a:xfrm flipH="1">
-            <a:off x="4137073" y="1491175"/>
-            <a:ext cx="2473568" cy="0"/>
-          </a:xfrm>
-          <a:prstGeom prst="line">
-            <a:avLst/>
-          </a:prstGeom>
-          <a:ln w="9525" cap="flat" cmpd="sng" algn="ctr">
-            <a:solidFill>
-              <a:schemeClr val="dk1"/>
-            </a:solidFill>
-            <a:prstDash val="dash"/>
-            <a:round/>
-            <a:headEnd type="none" w="med" len="med"/>
-            <a:tailEnd type="none" w="med" len="med"/>
-          </a:ln>
-        </p:spPr>
-        <p:style>
-          <a:lnRef idx="0">
-            <a:scrgbClr r="0" g="0" b="0"/>
-          </a:lnRef>
-          <a:fillRef idx="0">
-            <a:scrgbClr r="0" g="0" b="0"/>
-          </a:fillRef>
-          <a:effectRef idx="0">
-            <a:scrgbClr r="0" g="0" b="0"/>
-          </a:effectRef>
-          <a:fontRef idx="minor">
-            <a:schemeClr val="tx1"/>
-          </a:fontRef>
-        </p:style>
-      </p:cxnSp>
-      <p:sp>
-        <p:nvSpPr>
-          <p:cNvPr id="16" name="Ellipse 15">
-            <a:extLst>
-              <a:ext uri="{FF2B5EF4-FFF2-40B4-BE49-F238E27FC236}">
-                <a16:creationId xmlns:a16="http://schemas.microsoft.com/office/drawing/2014/main" id="{DAAFB42C-8902-4FB3-9BF6-CAD30D5F689D}"/>
-              </a:ext>
-            </a:extLst>
-          </p:cNvPr>
-          <p:cNvSpPr/>
-          <p:nvPr/>
-        </p:nvSpPr>
-        <p:spPr>
-          <a:xfrm rot="16200000">
-            <a:off x="4870344" y="2681010"/>
-            <a:ext cx="1007025" cy="1528817"/>
-          </a:xfrm>
-          <a:custGeom>
-            <a:avLst/>
-            <a:gdLst>
-              <a:gd name="connsiteX0" fmla="*/ 0 w 1312985"/>
-              <a:gd name="connsiteY0" fmla="*/ 656493 h 1312985"/>
-              <a:gd name="connsiteX1" fmla="*/ 656493 w 1312985"/>
-              <a:gd name="connsiteY1" fmla="*/ 0 h 1312985"/>
-              <a:gd name="connsiteX2" fmla="*/ 1312986 w 1312985"/>
-              <a:gd name="connsiteY2" fmla="*/ 656493 h 1312985"/>
-              <a:gd name="connsiteX3" fmla="*/ 656493 w 1312985"/>
-              <a:gd name="connsiteY3" fmla="*/ 1312986 h 1312985"/>
-              <a:gd name="connsiteX4" fmla="*/ 0 w 1312985"/>
-              <a:gd name="connsiteY4" fmla="*/ 656493 h 1312985"/>
-              <a:gd name="connsiteX0" fmla="*/ 0 w 719821"/>
-              <a:gd name="connsiteY0" fmla="*/ 656632 h 1313245"/>
-              <a:gd name="connsiteX1" fmla="*/ 656493 w 719821"/>
-              <a:gd name="connsiteY1" fmla="*/ 139 h 1313245"/>
-              <a:gd name="connsiteX2" fmla="*/ 694008 w 719821"/>
-              <a:gd name="connsiteY2" fmla="*/ 614429 h 1313245"/>
-              <a:gd name="connsiteX3" fmla="*/ 656493 w 719821"/>
-              <a:gd name="connsiteY3" fmla="*/ 1313125 h 1313245"/>
-              <a:gd name="connsiteX4" fmla="*/ 0 w 719821"/>
-              <a:gd name="connsiteY4" fmla="*/ 656632 h 1313245"/>
-            </a:gdLst>
-            <a:ahLst/>
-            <a:cxnLst>
-              <a:cxn ang="0">
-                <a:pos x="connsiteX0" y="connsiteY0"/>
-              </a:cxn>
-              <a:cxn ang="0">
-                <a:pos x="connsiteX1" y="connsiteY1"/>
-              </a:cxn>
-              <a:cxn ang="0">
-                <a:pos x="connsiteX2" y="connsiteY2"/>
-              </a:cxn>
-              <a:cxn ang="0">
-                <a:pos x="connsiteX3" y="connsiteY3"/>
-              </a:cxn>
-              <a:cxn ang="0">
-                <a:pos x="connsiteX4" y="connsiteY4"/>
-              </a:cxn>
-            </a:cxnLst>
-            <a:rect l="l" t="t" r="r" b="b"/>
-            <a:pathLst>
-              <a:path w="719821" h="1313245">
-                <a:moveTo>
-                  <a:pt x="0" y="656632"/>
-                </a:moveTo>
-                <a:cubicBezTo>
-                  <a:pt x="0" y="294061"/>
-                  <a:pt x="540825" y="7173"/>
-                  <a:pt x="656493" y="139"/>
-                </a:cubicBezTo>
-                <a:cubicBezTo>
-                  <a:pt x="772161" y="-6895"/>
-                  <a:pt x="694008" y="251858"/>
-                  <a:pt x="694008" y="614429"/>
-                </a:cubicBezTo>
-                <a:cubicBezTo>
-                  <a:pt x="694008" y="977000"/>
-                  <a:pt x="772161" y="1306091"/>
-                  <a:pt x="656493" y="1313125"/>
-                </a:cubicBezTo>
-                <a:cubicBezTo>
-                  <a:pt x="540825" y="1320159"/>
-                  <a:pt x="0" y="1019203"/>
-                  <a:pt x="0" y="656632"/>
-                </a:cubicBezTo>
-                <a:close/>
-              </a:path>
-            </a:pathLst>
-          </a:custGeom>
-          <a:solidFill>
-            <a:schemeClr val="accent1">
-              <a:lumMod val="20000"/>
-              <a:lumOff val="80000"/>
-            </a:schemeClr>
-          </a:solidFill>
-        </p:spPr>
-        <p:style>
-          <a:lnRef idx="2">
-            <a:schemeClr val="accent1">
-              <a:shade val="50000"/>
-            </a:schemeClr>
-          </a:lnRef>
-          <a:fillRef idx="1">
-            <a:schemeClr val="accent1"/>
-          </a:fillRef>
-          <a:effectRef idx="0">
-            <a:schemeClr val="accent1"/>
-          </a:effectRef>
-          <a:fontRef idx="minor">
-            <a:schemeClr val="lt1"/>
-          </a:fontRef>
-        </p:style>
-        <p:txBody>
-          <a:bodyPr rtlCol="0" anchor="ctr"/>
-          <a:lstStyle/>
-          <a:p>
-            <a:pPr algn="ctr"/>
-            <a:endParaRPr lang="de-AT"/>
-          </a:p>
-        </p:txBody>
-      </p:sp>
-      <p:sp>
-        <p:nvSpPr>
-          <p:cNvPr id="23" name="Rechteck 22">
-            <a:extLst>
-              <a:ext uri="{FF2B5EF4-FFF2-40B4-BE49-F238E27FC236}">
-                <a16:creationId xmlns:a16="http://schemas.microsoft.com/office/drawing/2014/main" id="{5C7F1231-B356-4565-A2B9-CB030E7FC74F}"/>
-              </a:ext>
-            </a:extLst>
-          </p:cNvPr>
-          <p:cNvSpPr/>
-          <p:nvPr/>
-        </p:nvSpPr>
-        <p:spPr>
-          <a:xfrm>
-            <a:off x="4332849" y="2921978"/>
-            <a:ext cx="2082019" cy="87922"/>
-          </a:xfrm>
-          <a:prstGeom prst="rect">
-            <a:avLst/>
-          </a:prstGeom>
-          <a:solidFill>
-            <a:schemeClr val="accent1">
-              <a:lumMod val="20000"/>
-              <a:lumOff val="80000"/>
-            </a:schemeClr>
-          </a:solidFill>
-        </p:spPr>
-        <p:style>
-          <a:lnRef idx="2">
-            <a:schemeClr val="accent1">
-              <a:shade val="50000"/>
-            </a:schemeClr>
-          </a:lnRef>
-          <a:fillRef idx="1">
-            <a:schemeClr val="accent1"/>
-          </a:fillRef>
-          <a:effectRef idx="0">
-            <a:schemeClr val="accent1"/>
-          </a:effectRef>
-          <a:fontRef idx="minor">
-            <a:schemeClr val="lt1"/>
-          </a:fontRef>
-        </p:style>
-        <p:txBody>
-          <a:bodyPr rtlCol="0" anchor="ctr"/>
-          <a:lstStyle/>
-          <a:p>
-            <a:pPr algn="ctr"/>
-            <a:endParaRPr lang="de-AT"/>
-          </a:p>
-        </p:txBody>
-      </p:sp>
-      <p:cxnSp>
-        <p:nvCxnSpPr>
-          <p:cNvPr id="25" name="Gerader Verbinder 24">
-            <a:extLst>
-              <a:ext uri="{FF2B5EF4-FFF2-40B4-BE49-F238E27FC236}">
-                <a16:creationId xmlns:a16="http://schemas.microsoft.com/office/drawing/2014/main" id="{332CF6F0-513C-45A4-AA14-39E52575FE4C}"/>
-              </a:ext>
-            </a:extLst>
-          </p:cNvPr>
-          <p:cNvCxnSpPr>
-            <a:cxnSpLocks/>
-          </p:cNvCxnSpPr>
-          <p:nvPr/>
-        </p:nvCxnSpPr>
-        <p:spPr>
-          <a:xfrm>
-            <a:off x="5373856" y="2771335"/>
-            <a:ext cx="0" cy="1505243"/>
-          </a:xfrm>
-          <a:prstGeom prst="line">
-            <a:avLst/>
-          </a:prstGeom>
-          <a:ln w="9525" cap="flat" cmpd="sng" algn="ctr">
-            <a:solidFill>
-              <a:schemeClr val="dk1"/>
-            </a:solidFill>
-            <a:prstDash val="dash"/>
-            <a:round/>
-            <a:headEnd type="none" w="med" len="med"/>
-            <a:tailEnd type="none" w="med" len="med"/>
-          </a:ln>
-        </p:spPr>
-        <p:style>
-          <a:lnRef idx="0">
-            <a:scrgbClr r="0" g="0" b="0"/>
-          </a:lnRef>
-          <a:fillRef idx="0">
-            <a:scrgbClr r="0" g="0" b="0"/>
-          </a:fillRef>
-          <a:effectRef idx="0">
-            <a:scrgbClr r="0" g="0" b="0"/>
-          </a:effectRef>
-          <a:fontRef idx="minor">
-            <a:schemeClr val="tx1"/>
-          </a:fontRef>
-        </p:style>
-      </p:cxnSp>
+        </p:grpSpPr>
+        <p:grpSp>
+          <p:nvGrpSpPr>
+            <p:cNvPr id="3" name="Gruppieren 2">
+              <a:extLst>
+                <a:ext uri="{FF2B5EF4-FFF2-40B4-BE49-F238E27FC236}">
+                  <a16:creationId xmlns:a16="http://schemas.microsoft.com/office/drawing/2014/main" id="{5581FABD-1B45-4777-8E94-F13DD82D7E24}"/>
+                </a:ext>
+              </a:extLst>
+            </p:cNvPr>
+            <p:cNvGrpSpPr/>
+            <p:nvPr/>
+          </p:nvGrpSpPr>
+          <p:grpSpPr>
+            <a:xfrm>
+              <a:off x="4092680" y="2817630"/>
+              <a:ext cx="2473568" cy="2082019"/>
+              <a:chOff x="4137073" y="450166"/>
+              <a:chExt cx="2473568" cy="2082019"/>
+            </a:xfrm>
+          </p:grpSpPr>
+          <p:sp>
+            <p:nvSpPr>
+              <p:cNvPr id="5" name="Ellipse 4">
+                <a:extLst>
+                  <a:ext uri="{FF2B5EF4-FFF2-40B4-BE49-F238E27FC236}">
+                    <a16:creationId xmlns:a16="http://schemas.microsoft.com/office/drawing/2014/main" id="{1C78DCD2-DB1B-47C2-A35C-4AD2E957CE9C}"/>
+                  </a:ext>
+                </a:extLst>
+              </p:cNvPr>
+              <p:cNvSpPr/>
+              <p:nvPr/>
+            </p:nvSpPr>
+            <p:spPr>
+              <a:xfrm>
+                <a:off x="4332849" y="450166"/>
+                <a:ext cx="2082019" cy="2082019"/>
+              </a:xfrm>
+              <a:prstGeom prst="ellipse">
+                <a:avLst/>
+              </a:prstGeom>
+              <a:solidFill>
+                <a:schemeClr val="accent1">
+                  <a:lumMod val="20000"/>
+                  <a:lumOff val="80000"/>
+                </a:schemeClr>
+              </a:solidFill>
+            </p:spPr>
+            <p:style>
+              <a:lnRef idx="2">
+                <a:schemeClr val="accent1">
+                  <a:shade val="50000"/>
+                </a:schemeClr>
+              </a:lnRef>
+              <a:fillRef idx="1">
+                <a:schemeClr val="accent1"/>
+              </a:fillRef>
+              <a:effectRef idx="0">
+                <a:schemeClr val="accent1"/>
+              </a:effectRef>
+              <a:fontRef idx="minor">
+                <a:schemeClr val="lt1"/>
+              </a:fontRef>
+            </p:style>
+            <p:txBody>
+              <a:bodyPr rtlCol="0" anchor="ctr"/>
+              <a:lstStyle/>
+              <a:p>
+                <a:pPr algn="ctr"/>
+                <a:endParaRPr lang="de-AT"/>
+              </a:p>
+            </p:txBody>
+          </p:sp>
+          <p:cxnSp>
+            <p:nvCxnSpPr>
+              <p:cNvPr id="12" name="Gerader Verbinder 11">
+                <a:extLst>
+                  <a:ext uri="{FF2B5EF4-FFF2-40B4-BE49-F238E27FC236}">
+                    <a16:creationId xmlns:a16="http://schemas.microsoft.com/office/drawing/2014/main" id="{345AF4EE-8D41-4300-8CA1-F10B0EA737CF}"/>
+                  </a:ext>
+                </a:extLst>
+              </p:cNvPr>
+              <p:cNvCxnSpPr>
+                <a:cxnSpLocks/>
+              </p:cNvCxnSpPr>
+              <p:nvPr/>
+            </p:nvCxnSpPr>
+            <p:spPr>
+              <a:xfrm flipH="1">
+                <a:off x="4137073" y="1491175"/>
+                <a:ext cx="2473568" cy="0"/>
+              </a:xfrm>
+              <a:prstGeom prst="line">
+                <a:avLst/>
+              </a:prstGeom>
+              <a:ln w="9525" cap="flat" cmpd="sng" algn="ctr">
+                <a:solidFill>
+                  <a:schemeClr val="dk1"/>
+                </a:solidFill>
+                <a:prstDash val="dash"/>
+                <a:round/>
+                <a:headEnd type="none" w="med" len="med"/>
+                <a:tailEnd type="none" w="med" len="med"/>
+              </a:ln>
+            </p:spPr>
+            <p:style>
+              <a:lnRef idx="0">
+                <a:scrgbClr r="0" g="0" b="0"/>
+              </a:lnRef>
+              <a:fillRef idx="0">
+                <a:scrgbClr r="0" g="0" b="0"/>
+              </a:fillRef>
+              <a:effectRef idx="0">
+                <a:scrgbClr r="0" g="0" b="0"/>
+              </a:effectRef>
+              <a:fontRef idx="minor">
+                <a:schemeClr val="tx1"/>
+              </a:fontRef>
+            </p:style>
+          </p:cxnSp>
+        </p:grpSp>
+        <p:grpSp>
+          <p:nvGrpSpPr>
+            <p:cNvPr id="2" name="Gruppieren 1">
+              <a:extLst>
+                <a:ext uri="{FF2B5EF4-FFF2-40B4-BE49-F238E27FC236}">
+                  <a16:creationId xmlns:a16="http://schemas.microsoft.com/office/drawing/2014/main" id="{864196E5-175F-4EE1-B971-BC950765860C}"/>
+                </a:ext>
+              </a:extLst>
+            </p:cNvPr>
+            <p:cNvGrpSpPr/>
+            <p:nvPr/>
+          </p:nvGrpSpPr>
+          <p:grpSpPr>
+            <a:xfrm>
+              <a:off x="4288454" y="1441661"/>
+              <a:ext cx="2082019" cy="1505243"/>
+              <a:chOff x="4332849" y="2771335"/>
+              <a:chExt cx="2082019" cy="1505243"/>
+            </a:xfrm>
+          </p:grpSpPr>
+          <p:sp>
+            <p:nvSpPr>
+              <p:cNvPr id="16" name="Ellipse 15">
+                <a:extLst>
+                  <a:ext uri="{FF2B5EF4-FFF2-40B4-BE49-F238E27FC236}">
+                    <a16:creationId xmlns:a16="http://schemas.microsoft.com/office/drawing/2014/main" id="{DAAFB42C-8902-4FB3-9BF6-CAD30D5F689D}"/>
+                  </a:ext>
+                </a:extLst>
+              </p:cNvPr>
+              <p:cNvSpPr/>
+              <p:nvPr/>
+            </p:nvSpPr>
+            <p:spPr>
+              <a:xfrm rot="16200000">
+                <a:off x="4870344" y="2681010"/>
+                <a:ext cx="1007025" cy="1528817"/>
+              </a:xfrm>
+              <a:custGeom>
+                <a:avLst/>
+                <a:gdLst>
+                  <a:gd name="connsiteX0" fmla="*/ 0 w 1312985"/>
+                  <a:gd name="connsiteY0" fmla="*/ 656493 h 1312985"/>
+                  <a:gd name="connsiteX1" fmla="*/ 656493 w 1312985"/>
+                  <a:gd name="connsiteY1" fmla="*/ 0 h 1312985"/>
+                  <a:gd name="connsiteX2" fmla="*/ 1312986 w 1312985"/>
+                  <a:gd name="connsiteY2" fmla="*/ 656493 h 1312985"/>
+                  <a:gd name="connsiteX3" fmla="*/ 656493 w 1312985"/>
+                  <a:gd name="connsiteY3" fmla="*/ 1312986 h 1312985"/>
+                  <a:gd name="connsiteX4" fmla="*/ 0 w 1312985"/>
+                  <a:gd name="connsiteY4" fmla="*/ 656493 h 1312985"/>
+                  <a:gd name="connsiteX0" fmla="*/ 0 w 719821"/>
+                  <a:gd name="connsiteY0" fmla="*/ 656632 h 1313245"/>
+                  <a:gd name="connsiteX1" fmla="*/ 656493 w 719821"/>
+                  <a:gd name="connsiteY1" fmla="*/ 139 h 1313245"/>
+                  <a:gd name="connsiteX2" fmla="*/ 694008 w 719821"/>
+                  <a:gd name="connsiteY2" fmla="*/ 614429 h 1313245"/>
+                  <a:gd name="connsiteX3" fmla="*/ 656493 w 719821"/>
+                  <a:gd name="connsiteY3" fmla="*/ 1313125 h 1313245"/>
+                  <a:gd name="connsiteX4" fmla="*/ 0 w 719821"/>
+                  <a:gd name="connsiteY4" fmla="*/ 656632 h 1313245"/>
+                </a:gdLst>
+                <a:ahLst/>
+                <a:cxnLst>
+                  <a:cxn ang="0">
+                    <a:pos x="connsiteX0" y="connsiteY0"/>
+                  </a:cxn>
+                  <a:cxn ang="0">
+                    <a:pos x="connsiteX1" y="connsiteY1"/>
+                  </a:cxn>
+                  <a:cxn ang="0">
+                    <a:pos x="connsiteX2" y="connsiteY2"/>
+                  </a:cxn>
+                  <a:cxn ang="0">
+                    <a:pos x="connsiteX3" y="connsiteY3"/>
+                  </a:cxn>
+                  <a:cxn ang="0">
+                    <a:pos x="connsiteX4" y="connsiteY4"/>
+                  </a:cxn>
+                </a:cxnLst>
+                <a:rect l="l" t="t" r="r" b="b"/>
+                <a:pathLst>
+                  <a:path w="719821" h="1313245">
+                    <a:moveTo>
+                      <a:pt x="0" y="656632"/>
+                    </a:moveTo>
+                    <a:cubicBezTo>
+                      <a:pt x="0" y="294061"/>
+                      <a:pt x="540825" y="7173"/>
+                      <a:pt x="656493" y="139"/>
+                    </a:cubicBezTo>
+                    <a:cubicBezTo>
+                      <a:pt x="772161" y="-6895"/>
+                      <a:pt x="694008" y="251858"/>
+                      <a:pt x="694008" y="614429"/>
+                    </a:cubicBezTo>
+                    <a:cubicBezTo>
+                      <a:pt x="694008" y="977000"/>
+                      <a:pt x="772161" y="1306091"/>
+                      <a:pt x="656493" y="1313125"/>
+                    </a:cubicBezTo>
+                    <a:cubicBezTo>
+                      <a:pt x="540825" y="1320159"/>
+                      <a:pt x="0" y="1019203"/>
+                      <a:pt x="0" y="656632"/>
+                    </a:cubicBezTo>
+                    <a:close/>
+                  </a:path>
+                </a:pathLst>
+              </a:custGeom>
+              <a:solidFill>
+                <a:schemeClr val="accent1">
+                  <a:lumMod val="20000"/>
+                  <a:lumOff val="80000"/>
+                </a:schemeClr>
+              </a:solidFill>
+            </p:spPr>
+            <p:style>
+              <a:lnRef idx="2">
+                <a:schemeClr val="accent1">
+                  <a:shade val="50000"/>
+                </a:schemeClr>
+              </a:lnRef>
+              <a:fillRef idx="1">
+                <a:schemeClr val="accent1"/>
+              </a:fillRef>
+              <a:effectRef idx="0">
+                <a:schemeClr val="accent1"/>
+              </a:effectRef>
+              <a:fontRef idx="minor">
+                <a:schemeClr val="lt1"/>
+              </a:fontRef>
+            </p:style>
+            <p:txBody>
+              <a:bodyPr rtlCol="0" anchor="ctr"/>
+              <a:lstStyle/>
+              <a:p>
+                <a:pPr algn="ctr"/>
+                <a:endParaRPr lang="de-AT"/>
+              </a:p>
+            </p:txBody>
+          </p:sp>
+          <p:sp>
+            <p:nvSpPr>
+              <p:cNvPr id="23" name="Rechteck 22">
+                <a:extLst>
+                  <a:ext uri="{FF2B5EF4-FFF2-40B4-BE49-F238E27FC236}">
+                    <a16:creationId xmlns:a16="http://schemas.microsoft.com/office/drawing/2014/main" id="{5C7F1231-B356-4565-A2B9-CB030E7FC74F}"/>
+                  </a:ext>
+                </a:extLst>
+              </p:cNvPr>
+              <p:cNvSpPr/>
+              <p:nvPr/>
+            </p:nvSpPr>
+            <p:spPr>
+              <a:xfrm>
+                <a:off x="4332849" y="2921978"/>
+                <a:ext cx="2082019" cy="87922"/>
+              </a:xfrm>
+              <a:prstGeom prst="rect">
+                <a:avLst/>
+              </a:prstGeom>
+              <a:solidFill>
+                <a:schemeClr val="accent1">
+                  <a:lumMod val="20000"/>
+                  <a:lumOff val="80000"/>
+                </a:schemeClr>
+              </a:solidFill>
+            </p:spPr>
+            <p:style>
+              <a:lnRef idx="2">
+                <a:schemeClr val="accent1">
+                  <a:shade val="50000"/>
+                </a:schemeClr>
+              </a:lnRef>
+              <a:fillRef idx="1">
+                <a:schemeClr val="accent1"/>
+              </a:fillRef>
+              <a:effectRef idx="0">
+                <a:schemeClr val="accent1"/>
+              </a:effectRef>
+              <a:fontRef idx="minor">
+                <a:schemeClr val="lt1"/>
+              </a:fontRef>
+            </p:style>
+            <p:txBody>
+              <a:bodyPr rtlCol="0" anchor="ctr"/>
+              <a:lstStyle/>
+              <a:p>
+                <a:pPr algn="ctr"/>
+                <a:endParaRPr lang="de-AT"/>
+              </a:p>
+            </p:txBody>
+          </p:sp>
+          <p:cxnSp>
+            <p:nvCxnSpPr>
+              <p:cNvPr id="25" name="Gerader Verbinder 24">
+                <a:extLst>
+                  <a:ext uri="{FF2B5EF4-FFF2-40B4-BE49-F238E27FC236}">
+                    <a16:creationId xmlns:a16="http://schemas.microsoft.com/office/drawing/2014/main" id="{332CF6F0-513C-45A4-AA14-39E52575FE4C}"/>
+                  </a:ext>
+                </a:extLst>
+              </p:cNvPr>
+              <p:cNvCxnSpPr>
+                <a:cxnSpLocks/>
+              </p:cNvCxnSpPr>
+              <p:nvPr/>
+            </p:nvCxnSpPr>
+            <p:spPr>
+              <a:xfrm>
+                <a:off x="5373856" y="2771335"/>
+                <a:ext cx="0" cy="1505243"/>
+              </a:xfrm>
+              <a:prstGeom prst="line">
+                <a:avLst/>
+              </a:prstGeom>
+              <a:ln w="9525" cap="flat" cmpd="sng" algn="ctr">
+                <a:solidFill>
+                  <a:schemeClr val="dk1"/>
+                </a:solidFill>
+                <a:prstDash val="dash"/>
+                <a:round/>
+                <a:headEnd type="none" w="med" len="med"/>
+                <a:tailEnd type="none" w="med" len="med"/>
+              </a:ln>
+            </p:spPr>
+            <p:style>
+              <a:lnRef idx="0">
+                <a:scrgbClr r="0" g="0" b="0"/>
+              </a:lnRef>
+              <a:fillRef idx="0">
+                <a:scrgbClr r="0" g="0" b="0"/>
+              </a:fillRef>
+              <a:effectRef idx="0">
+                <a:scrgbClr r="0" g="0" b="0"/>
+              </a:effectRef>
+              <a:fontRef idx="minor">
+                <a:schemeClr val="tx1"/>
+              </a:fontRef>
+            </p:style>
+          </p:cxnSp>
+        </p:grpSp>
+        <p:cxnSp>
+          <p:nvCxnSpPr>
+            <p:cNvPr id="10" name="Gerader Verbinder 9">
+              <a:extLst>
+                <a:ext uri="{FF2B5EF4-FFF2-40B4-BE49-F238E27FC236}">
+                  <a16:creationId xmlns:a16="http://schemas.microsoft.com/office/drawing/2014/main" id="{4B2DD067-C16E-4C9A-876C-753D590BC628}"/>
+                </a:ext>
+              </a:extLst>
+            </p:cNvPr>
+            <p:cNvCxnSpPr/>
+            <p:nvPr/>
+          </p:nvCxnSpPr>
+          <p:spPr>
+            <a:xfrm>
+              <a:off x="5329461" y="2557377"/>
+              <a:ext cx="0" cy="2602523"/>
+            </a:xfrm>
+            <a:prstGeom prst="line">
+              <a:avLst/>
+            </a:prstGeom>
+            <a:ln w="9525" cap="flat" cmpd="sng" algn="ctr">
+              <a:solidFill>
+                <a:schemeClr val="dk1"/>
+              </a:solidFill>
+              <a:prstDash val="dash"/>
+              <a:round/>
+              <a:headEnd type="none" w="med" len="med"/>
+              <a:tailEnd type="none" w="med" len="med"/>
+            </a:ln>
+          </p:spPr>
+          <p:style>
+            <a:lnRef idx="0">
+              <a:scrgbClr r="0" g="0" b="0"/>
+            </a:lnRef>
+            <a:fillRef idx="0">
+              <a:scrgbClr r="0" g="0" b="0"/>
+            </a:fillRef>
+            <a:effectRef idx="0">
+              <a:scrgbClr r="0" g="0" b="0"/>
+            </a:effectRef>
+            <a:fontRef idx="minor">
+              <a:schemeClr val="tx1"/>
+            </a:fontRef>
+          </p:style>
+        </p:cxnSp>
+      </p:grpSp>
     </p:spTree>
     <p:extLst>
       <p:ext uri="{BB962C8B-B14F-4D97-AF65-F5344CB8AC3E}">
@@ -3716,13 +3784,13 @@
   <p:clrMapOvr>
     <a:masterClrMapping/>
   </p:clrMapOvr>
-  <mc:AlternateContent xmlns:mc="http://schemas.openxmlformats.org/markup-compatibility/2006">
-    <mc:Choice xmlns:p14="http://schemas.microsoft.com/office/powerpoint/2010/main" Requires="p14">
+  <mc:AlternateContent xmlns:mc="http://schemas.openxmlformats.org/markup-compatibility/2006" xmlns:p14="http://schemas.microsoft.com/office/powerpoint/2010/main">
+    <mc:Choice Requires="p14">
       <p:transition spd="slow" p14:dur="800">
         <p:circle/>
       </p:transition>
     </mc:Choice>
-    <mc:Fallback>
+    <mc:Fallback xmlns="">
       <p:transition spd="slow">
         <p:circle/>
       </p:transition>
